--- a/CASES.pptx
+++ b/CASES.pptx
@@ -6239,7 +6239,29 @@
                 </a:solidFill>
                 <a:latin typeface="Montserrat Light" panose="00000400000000000000" pitchFamily="2" charset="0"/>
               </a:rPr>
-              <a:t>Az index weblap egy egyszerű html oldal, ami leírja a vevőknek hogy miér válassza a mi cégünket:</a:t>
+              <a:t>Az index weblap egy egyszerű html oldal, ami leírja a vevőknek </a:t>
+            </a:r>
+            <a:r>
+              <a:rPr lang="hu-HU" sz="1200">
+                <a:solidFill>
+                  <a:schemeClr val="bg1">
+                    <a:lumMod val="50000"/>
+                  </a:schemeClr>
+                </a:solidFill>
+                <a:latin typeface="Montserrat Light" panose="00000400000000000000" pitchFamily="2" charset="0"/>
+              </a:rPr>
+              <a:t>hogy miért </a:t>
+            </a:r>
+            <a:r>
+              <a:rPr lang="hu-HU" sz="1200" dirty="0">
+                <a:solidFill>
+                  <a:schemeClr val="bg1">
+                    <a:lumMod val="50000"/>
+                  </a:schemeClr>
+                </a:solidFill>
+                <a:latin typeface="Montserrat Light" panose="00000400000000000000" pitchFamily="2" charset="0"/>
+              </a:rPr>
+              <a:t>válassza a mi cégünket:</a:t>
             </a:r>
           </a:p>
           <a:p>
